--- a/Predicting Healthcare Costs powerpoint.pptx
+++ b/Predicting Healthcare Costs powerpoint.pptx
@@ -761,8 +761,8 @@
         </p:nvSpPr>
         <p:spPr>
           <a:xfrm>
-            <a:off x="381300" y="685800"/>
-            <a:ext cx="6096075" cy="3429000"/>
+            <a:off x="381000" y="685800"/>
+            <a:ext cx="6096000" cy="3429000"/>
           </a:xfrm>
           <a:custGeom>
             <a:avLst/>
@@ -865,7 +865,7 @@
         </p:nvSpPr>
         <p:spPr>
           <a:xfrm>
-            <a:off x="381300" y="685800"/>
+            <a:off x="381000" y="685800"/>
             <a:ext cx="6096000" cy="3429000"/>
           </a:xfrm>
           <a:custGeom>
@@ -969,7 +969,7 @@
         </p:nvSpPr>
         <p:spPr>
           <a:xfrm>
-            <a:off x="381300" y="685800"/>
+            <a:off x="381000" y="685800"/>
             <a:ext cx="6096000" cy="3429000"/>
           </a:xfrm>
           <a:custGeom>
@@ -1593,7 +1593,7 @@
         </p:nvSpPr>
         <p:spPr>
           <a:xfrm>
-            <a:off x="381300" y="685800"/>
+            <a:off x="381000" y="685800"/>
             <a:ext cx="6096000" cy="3429000"/>
           </a:xfrm>
           <a:custGeom>
@@ -1697,7 +1697,7 @@
         </p:nvSpPr>
         <p:spPr>
           <a:xfrm>
-            <a:off x="381300" y="685800"/>
+            <a:off x="381000" y="685800"/>
             <a:ext cx="6096000" cy="3429000"/>
           </a:xfrm>
           <a:custGeom>
@@ -1905,7 +1905,7 @@
         </p:nvSpPr>
         <p:spPr>
           <a:xfrm>
-            <a:off x="381300" y="685800"/>
+            <a:off x="381000" y="685800"/>
             <a:ext cx="6096000" cy="3429000"/>
           </a:xfrm>
           <a:custGeom>
@@ -2113,7 +2113,7 @@
         </p:nvSpPr>
         <p:spPr>
           <a:xfrm>
-            <a:off x="381300" y="685800"/>
+            <a:off x="381000" y="685800"/>
             <a:ext cx="6096000" cy="3429000"/>
           </a:xfrm>
           <a:custGeom>
@@ -2217,7 +2217,7 @@
         </p:nvSpPr>
         <p:spPr>
           <a:xfrm>
-            <a:off x="381300" y="685800"/>
+            <a:off x="381000" y="685800"/>
             <a:ext cx="6096000" cy="3429000"/>
           </a:xfrm>
           <a:custGeom>
@@ -2321,7 +2321,7 @@
         </p:nvSpPr>
         <p:spPr>
           <a:xfrm>
-            <a:off x="381300" y="685800"/>
+            <a:off x="381000" y="685800"/>
             <a:ext cx="6096000" cy="3429000"/>
           </a:xfrm>
           <a:custGeom>
@@ -8611,7 +8611,7 @@
         </p:nvSpPr>
         <p:spPr>
           <a:xfrm>
-            <a:off x="311700" y="2429092"/>
+            <a:off x="397964" y="1747605"/>
             <a:ext cx="4242600" cy="1282500"/>
           </a:xfrm>
           <a:prstGeom prst="rect">
@@ -8619,7 +8619,7 @@
           </a:prstGeom>
         </p:spPr>
         <p:txBody>
-          <a:bodyPr spcFirstLastPara="1" wrap="square" lIns="91425" tIns="91425" rIns="91425" bIns="91425" anchor="t" anchorCtr="0">
+          <a:bodyPr spcFirstLastPara="1" wrap="square" lIns="91425" tIns="91425" rIns="91425" bIns="91425" anchor="ctr" anchorCtr="0">
             <a:normAutofit/>
           </a:bodyPr>
           <a:lstStyle/>
@@ -8634,10 +8634,10 @@
               <a:buNone/>
             </a:pPr>
             <a:r>
-              <a:rPr lang="en"/>
+              <a:rPr lang="en" sz="1800" dirty="0"/>
               <a:t>Ian Cook </a:t>
             </a:r>
-            <a:endParaRPr/>
+            <a:endParaRPr sz="1800" dirty="0"/>
           </a:p>
           <a:p>
             <a:pPr marL="0" lvl="0" indent="0" algn="l" rtl="0">
@@ -8650,10 +8650,10 @@
               <a:buNone/>
             </a:pPr>
             <a:r>
-              <a:rPr lang="en"/>
+              <a:rPr lang="en" sz="1800" dirty="0"/>
               <a:t>George Achempim</a:t>
             </a:r>
-            <a:endParaRPr/>
+            <a:endParaRPr sz="1800" dirty="0"/>
           </a:p>
           <a:p>
             <a:pPr marL="0" lvl="0" indent="0" algn="l" rtl="0">
@@ -8666,10 +8666,10 @@
               <a:buNone/>
             </a:pPr>
             <a:r>
-              <a:rPr lang="en"/>
+              <a:rPr lang="en" sz="1800" dirty="0"/>
               <a:t>Nick Mincucci</a:t>
             </a:r>
-            <a:endParaRPr/>
+            <a:endParaRPr sz="1800" dirty="0"/>
           </a:p>
         </p:txBody>
       </p:sp>
@@ -8733,10 +8733,10 @@
               <a:buNone/>
             </a:pPr>
             <a:r>
-              <a:rPr lang="en"/>
+              <a:rPr lang="en" dirty="0"/>
               <a:t>Effect of smoking and age on insurance charges</a:t>
             </a:r>
-            <a:endParaRPr/>
+            <a:endParaRPr dirty="0"/>
           </a:p>
         </p:txBody>
       </p:sp>
@@ -8752,8 +8752,8 @@
         </p:nvSpPr>
         <p:spPr>
           <a:xfrm>
-            <a:off x="4644675" y="500925"/>
-            <a:ext cx="4166400" cy="4098600"/>
+            <a:off x="4445893" y="500925"/>
+            <a:ext cx="4166400" cy="1518706"/>
           </a:xfrm>
           <a:prstGeom prst="rect">
             <a:avLst/>
@@ -8776,10 +8776,10 @@
               <a:buChar char="●"/>
             </a:pPr>
             <a:r>
-              <a:rPr lang="en" sz="1700"/>
+              <a:rPr lang="en" sz="1700" dirty="0"/>
               <a:t>Shows that both smoking and age play a role in the increase of insurance charges</a:t>
             </a:r>
-            <a:endParaRPr sz="1700"/>
+            <a:endParaRPr sz="1700" dirty="0"/>
           </a:p>
         </p:txBody>
       </p:sp>
@@ -8799,8 +8799,8 @@
         </p:blipFill>
         <p:spPr>
           <a:xfrm>
-            <a:off x="4604400" y="2339571"/>
-            <a:ext cx="4166400" cy="2690379"/>
+            <a:off x="3140764" y="2202513"/>
+            <a:ext cx="4930320" cy="2716120"/>
           </a:xfrm>
           <a:prstGeom prst="rect">
             <a:avLst/>
@@ -8967,7 +8967,7 @@
         </p:blipFill>
         <p:spPr>
           <a:xfrm>
-            <a:off x="4332450" y="2105575"/>
+            <a:off x="4332451" y="2089673"/>
             <a:ext cx="4811549" cy="2978775"/>
           </a:xfrm>
           <a:prstGeom prst="rect">
@@ -9866,13 +9866,15 @@
       </p:sp>
       <p:sp>
         <p:nvSpPr>
-          <p:cNvPr id="71" name="Google Shape;71;p14"/>
-          <p:cNvSpPr txBox="1">
-            <a:spLocks noGrp="1"/>
-          </p:cNvSpPr>
-          <p:nvPr>
-            <p:ph type="body" idx="1"/>
-          </p:nvPr>
+          <p:cNvPr id="3" name="Rectangle 2">
+            <a:extLst>
+              <a:ext uri="{FF2B5EF4-FFF2-40B4-BE49-F238E27FC236}">
+                <a16:creationId xmlns:a16="http://schemas.microsoft.com/office/drawing/2014/main" id="{CEA16235-876C-62F0-B3BD-16716BB642C0}"/>
+              </a:ext>
+            </a:extLst>
+          </p:cNvPr>
+          <p:cNvSpPr/>
+          <p:nvPr/>
         </p:nvSpPr>
         <p:spPr>
           <a:xfrm>
@@ -9884,202 +9886,92 @@
           </a:prstGeom>
         </p:spPr>
         <p:txBody>
-          <a:bodyPr spcFirstLastPara="1" wrap="square" lIns="91425" tIns="91425" rIns="91425" bIns="91425" anchor="t" anchorCtr="0">
-            <a:noAutofit/>
-          </a:bodyPr>
+          <a:bodyPr/>
           <a:lstStyle/>
           <a:p>
-            <a:pPr marL="457200" lvl="0" indent="-304800" algn="l" rtl="0">
-              <a:spcBef>
-                <a:spcPts val="0"/>
-              </a:spcBef>
-              <a:spcAft>
-                <a:spcPts val="0"/>
-              </a:spcAft>
-              <a:buClr>
-                <a:srgbClr val="000000"/>
-              </a:buClr>
-              <a:buSzPts val="1200"/>
-              <a:buChar char="●"/>
+            <a:pPr lvl="0">
+              <a:lnSpc>
+                <a:spcPct val="150000"/>
+              </a:lnSpc>
+              <a:buChar char="•"/>
             </a:pPr>
             <a:r>
-              <a:rPr lang="en" sz="1200">
-                <a:solidFill>
-                  <a:srgbClr val="000000"/>
-                </a:solidFill>
-              </a:rPr>
+              <a:rPr lang="en-US" dirty="0"/>
               <a:t>In the US 1 in 10 or (33.2 million people) had no health insurance coverage in 2019</a:t>
             </a:r>
-            <a:endParaRPr sz="1200">
-              <a:solidFill>
-                <a:srgbClr val="000000"/>
-              </a:solidFill>
-            </a:endParaRPr>
-          </a:p>
-          <a:p>
-            <a:pPr marL="457200" lvl="0" indent="-304800" algn="l" rtl="0">
-              <a:spcBef>
-                <a:spcPts val="0"/>
-              </a:spcBef>
-              <a:spcAft>
-                <a:spcPts val="0"/>
-              </a:spcAft>
-              <a:buClr>
-                <a:srgbClr val="000000"/>
-              </a:buClr>
-              <a:buSzPts val="1200"/>
-              <a:buChar char="●"/>
+            <a:endParaRPr lang="en-GI" dirty="0"/>
+          </a:p>
+          <a:p>
+            <a:pPr lvl="0">
+              <a:lnSpc>
+                <a:spcPct val="150000"/>
+              </a:lnSpc>
+              <a:buChar char="•"/>
             </a:pPr>
             <a:r>
-              <a:rPr lang="en" sz="1200">
-                <a:solidFill>
-                  <a:srgbClr val="000000"/>
-                </a:solidFill>
-              </a:rPr>
+              <a:rPr lang="en-US" dirty="0"/>
               <a:t>The population of uninsured US residents reduced to 25 million individuals in 2023</a:t>
             </a:r>
-            <a:endParaRPr sz="1200">
-              <a:solidFill>
-                <a:srgbClr val="000000"/>
-              </a:solidFill>
-            </a:endParaRPr>
-          </a:p>
-          <a:p>
-            <a:pPr marL="457200" lvl="0" indent="-304800" algn="l" rtl="0">
-              <a:spcBef>
-                <a:spcPts val="0"/>
-              </a:spcBef>
-              <a:spcAft>
-                <a:spcPts val="0"/>
-              </a:spcAft>
-              <a:buClr>
-                <a:srgbClr val="000000"/>
-              </a:buClr>
-              <a:buSzPts val="1200"/>
-              <a:buChar char="●"/>
+            <a:endParaRPr lang="en-GI" dirty="0"/>
+          </a:p>
+          <a:p>
+            <a:pPr lvl="0">
+              <a:lnSpc>
+                <a:spcPct val="150000"/>
+              </a:lnSpc>
+              <a:buChar char="•"/>
             </a:pPr>
             <a:r>
-              <a:rPr lang="en" sz="1200">
-                <a:solidFill>
-                  <a:srgbClr val="000000"/>
-                </a:solidFill>
-              </a:rPr>
+              <a:rPr lang="en-US" dirty="0"/>
               <a:t>Policy measures such as the expansion of Medicaid, and enhanced subsidies under the Affordable Care Act have played a role in total insured</a:t>
             </a:r>
-            <a:endParaRPr sz="1200">
-              <a:solidFill>
-                <a:srgbClr val="000000"/>
-              </a:solidFill>
-            </a:endParaRPr>
-          </a:p>
-          <a:p>
-            <a:pPr marL="457200" lvl="0" indent="-304800" algn="l" rtl="0">
-              <a:spcBef>
-                <a:spcPts val="0"/>
-              </a:spcBef>
-              <a:spcAft>
-                <a:spcPts val="0"/>
-              </a:spcAft>
-              <a:buClr>
-                <a:srgbClr val="000000"/>
-              </a:buClr>
-              <a:buSzPts val="1200"/>
-              <a:buChar char="●"/>
+            <a:endParaRPr lang="en-GI" dirty="0"/>
+          </a:p>
+          <a:p>
+            <a:pPr lvl="0">
+              <a:lnSpc>
+                <a:spcPct val="150000"/>
+              </a:lnSpc>
+              <a:buChar char="•"/>
             </a:pPr>
             <a:r>
-              <a:rPr lang="en" sz="1200">
-                <a:solidFill>
-                  <a:srgbClr val="000000"/>
-                </a:solidFill>
-              </a:rPr>
+              <a:rPr lang="en-US" dirty="0"/>
               <a:t>Racial and ethnic disparities in health insurance coverage persist throughout the US</a:t>
             </a:r>
-            <a:endParaRPr sz="1200">
-              <a:solidFill>
-                <a:srgbClr val="000000"/>
-              </a:solidFill>
-            </a:endParaRPr>
-          </a:p>
-          <a:p>
-            <a:pPr marL="457200" lvl="0" indent="-304800" algn="l" rtl="0">
-              <a:spcBef>
-                <a:spcPts val="0"/>
-              </a:spcBef>
-              <a:spcAft>
-                <a:spcPts val="0"/>
-              </a:spcAft>
-              <a:buClr>
-                <a:srgbClr val="000000"/>
-              </a:buClr>
-              <a:buSzPts val="1200"/>
-              <a:buChar char="●"/>
+            <a:endParaRPr lang="en-GI" dirty="0"/>
+          </a:p>
+          <a:p>
+            <a:pPr lvl="0">
+              <a:lnSpc>
+                <a:spcPct val="150000"/>
+              </a:lnSpc>
+              <a:buChar char="•"/>
             </a:pPr>
             <a:r>
-              <a:rPr lang="en" sz="1200">
-                <a:solidFill>
-                  <a:srgbClr val="000000"/>
-                </a:solidFill>
-              </a:rPr>
+              <a:rPr lang="en-US" dirty="0"/>
               <a:t>For instance, 1 in 4 Hispanic adults aged 18–64 (24.8%) are uninsured as of 2023</a:t>
             </a:r>
-            <a:endParaRPr sz="1200">
-              <a:solidFill>
-                <a:srgbClr val="000000"/>
-              </a:solidFill>
-            </a:endParaRPr>
-          </a:p>
-          <a:p>
-            <a:pPr marL="0" lvl="0" indent="0" algn="l" rtl="0">
-              <a:spcBef>
-                <a:spcPts val="1200"/>
-              </a:spcBef>
-              <a:spcAft>
-                <a:spcPts val="0"/>
-              </a:spcAft>
-              <a:buNone/>
+            <a:endParaRPr lang="en-GI" dirty="0"/>
+          </a:p>
+          <a:p>
+            <a:pPr lvl="0">
+              <a:buChar char="•"/>
             </a:pPr>
+            <a:endParaRPr lang="en-GI" dirty="0"/>
+          </a:p>
+          <a:p>
+            <a:pPr lvl="0"/>
             <a:r>
-              <a:rPr lang="en" sz="1200">
-                <a:solidFill>
-                  <a:srgbClr val="000000"/>
-                </a:solidFill>
-              </a:rPr>
-              <a:t>    </a:t>
-            </a:r>
-            <a:endParaRPr sz="1200">
-              <a:solidFill>
-                <a:srgbClr val="000000"/>
-              </a:solidFill>
-            </a:endParaRPr>
-          </a:p>
-          <a:p>
-            <a:pPr marL="0" lvl="0" indent="0" algn="l" rtl="0">
-              <a:spcBef>
-                <a:spcPts val="1200"/>
-              </a:spcBef>
-              <a:spcAft>
-                <a:spcPts val="1200"/>
-              </a:spcAft>
-              <a:buNone/>
-            </a:pPr>
-            <a:r>
-              <a:rPr lang="en" sz="1200">
-                <a:solidFill>
-                  <a:srgbClr val="000000"/>
-                </a:solidFill>
-              </a:rPr>
-              <a:t>  Source: </a:t>
+              <a:rPr lang="en-US" dirty="0"/>
+              <a:t>Source: </a:t>
             </a:r>
             <a:r>
-              <a:rPr lang="en" sz="1200" u="sng">
-                <a:solidFill>
-                  <a:schemeClr val="hlink"/>
-                </a:solidFill>
+              <a:rPr lang="en-US" dirty="0">
                 <a:hlinkClick r:id="rId3"/>
               </a:rPr>
               <a:t>U.S. Uninsured Rate Drops by 26% Since 2019</a:t>
             </a:r>
-            <a:endParaRPr sz="1400"/>
+            <a:endParaRPr lang="en-GI" dirty="0"/>
           </a:p>
         </p:txBody>
       </p:sp>
@@ -10162,8 +10054,8 @@
         </p:nvSpPr>
         <p:spPr>
           <a:xfrm>
-            <a:off x="4644675" y="500925"/>
-            <a:ext cx="4166400" cy="4098600"/>
+            <a:off x="4341412" y="500925"/>
+            <a:ext cx="4469663" cy="4098600"/>
           </a:xfrm>
           <a:prstGeom prst="rect">
             <a:avLst/>
@@ -10176,6 +10068,9 @@
           <a:lstStyle/>
           <a:p>
             <a:pPr marL="457200" lvl="0" indent="-330200" algn="l" rtl="0">
+              <a:lnSpc>
+                <a:spcPct val="170000"/>
+              </a:lnSpc>
               <a:spcBef>
                 <a:spcPts val="0"/>
               </a:spcBef>
@@ -10186,25 +10081,16 @@
               <a:buChar char="●"/>
             </a:pPr>
             <a:r>
-              <a:rPr lang="en" sz="6400"/>
+              <a:rPr lang="en" sz="6400" dirty="0"/>
               <a:t>Does smoking lead to higher insurance charges?</a:t>
             </a:r>
-            <a:endParaRPr sz="6400"/>
-          </a:p>
-          <a:p>
-            <a:pPr marL="457200" lvl="0" indent="0" algn="l" rtl="0">
-              <a:spcBef>
-                <a:spcPts val="1200"/>
-              </a:spcBef>
-              <a:spcAft>
-                <a:spcPts val="0"/>
-              </a:spcAft>
-              <a:buNone/>
-            </a:pPr>
-            <a:endParaRPr sz="6400"/>
+            <a:endParaRPr sz="6400" dirty="0"/>
           </a:p>
           <a:p>
             <a:pPr marL="457200" lvl="0" indent="-330200" algn="l" rtl="0">
+              <a:lnSpc>
+                <a:spcPct val="170000"/>
+              </a:lnSpc>
               <a:spcBef>
                 <a:spcPts val="1200"/>
               </a:spcBef>
@@ -10215,25 +10101,16 @@
               <a:buChar char="●"/>
             </a:pPr>
             <a:r>
-              <a:rPr lang="en" sz="6400"/>
+              <a:rPr lang="en" sz="6400" dirty="0"/>
               <a:t>What are the effects of age on insurance charges?</a:t>
             </a:r>
-            <a:endParaRPr sz="6400"/>
-          </a:p>
-          <a:p>
-            <a:pPr marL="457200" lvl="0" indent="0" algn="l" rtl="0">
-              <a:spcBef>
-                <a:spcPts val="1200"/>
-              </a:spcBef>
-              <a:spcAft>
-                <a:spcPts val="0"/>
-              </a:spcAft>
-              <a:buNone/>
-            </a:pPr>
-            <a:endParaRPr sz="6400"/>
+            <a:endParaRPr sz="6400" dirty="0"/>
           </a:p>
           <a:p>
             <a:pPr marL="457200" lvl="0" indent="-330200" algn="l" rtl="0">
+              <a:lnSpc>
+                <a:spcPct val="170000"/>
+              </a:lnSpc>
               <a:spcBef>
                 <a:spcPts val="1200"/>
               </a:spcBef>
@@ -10244,25 +10121,16 @@
               <a:buChar char="●"/>
             </a:pPr>
             <a:r>
-              <a:rPr lang="en" sz="6400"/>
+              <a:rPr lang="en" sz="6400" dirty="0"/>
               <a:t>Is region a reliable predictor for charges?</a:t>
             </a:r>
-            <a:endParaRPr sz="6400"/>
-          </a:p>
-          <a:p>
-            <a:pPr marL="457200" lvl="0" indent="0" algn="l" rtl="0">
-              <a:spcBef>
-                <a:spcPts val="1200"/>
-              </a:spcBef>
-              <a:spcAft>
-                <a:spcPts val="0"/>
-              </a:spcAft>
-              <a:buNone/>
-            </a:pPr>
-            <a:endParaRPr sz="6400"/>
+            <a:endParaRPr sz="6400" dirty="0"/>
           </a:p>
           <a:p>
             <a:pPr marL="457200" lvl="0" indent="-330200" algn="l" rtl="0">
+              <a:lnSpc>
+                <a:spcPct val="170000"/>
+              </a:lnSpc>
               <a:spcBef>
                 <a:spcPts val="1200"/>
               </a:spcBef>
@@ -10273,25 +10141,16 @@
               <a:buChar char="●"/>
             </a:pPr>
             <a:r>
-              <a:rPr lang="en" sz="6400"/>
+              <a:rPr lang="en" sz="6400" dirty="0"/>
               <a:t>Do dependents linearly increase costs?</a:t>
             </a:r>
-            <a:endParaRPr sz="6400"/>
-          </a:p>
-          <a:p>
-            <a:pPr marL="457200" lvl="0" indent="0" algn="l" rtl="0">
-              <a:spcBef>
-                <a:spcPts val="1200"/>
-              </a:spcBef>
-              <a:spcAft>
-                <a:spcPts val="0"/>
-              </a:spcAft>
-              <a:buNone/>
-            </a:pPr>
-            <a:endParaRPr sz="6400"/>
+            <a:endParaRPr sz="6400" dirty="0"/>
           </a:p>
           <a:p>
             <a:pPr marL="457200" lvl="0" indent="-330200" algn="l" rtl="0">
+              <a:lnSpc>
+                <a:spcPct val="170000"/>
+              </a:lnSpc>
               <a:spcBef>
                 <a:spcPts val="1200"/>
               </a:spcBef>
@@ -10302,10 +10161,10 @@
               <a:buChar char="●"/>
             </a:pPr>
             <a:r>
-              <a:rPr lang="en" sz="6400"/>
+              <a:rPr lang="en" sz="6400" dirty="0"/>
               <a:t>What attribute(s) have the most effect on insurance charges?</a:t>
             </a:r>
-            <a:endParaRPr sz="6400"/>
+            <a:endParaRPr sz="6400" dirty="0"/>
           </a:p>
           <a:p>
             <a:pPr marL="457200" lvl="0" indent="0" algn="l" rtl="0">
@@ -10317,7 +10176,7 @@
               </a:spcAft>
               <a:buNone/>
             </a:pPr>
-            <a:endParaRPr sz="1900"/>
+            <a:endParaRPr sz="1900" dirty="0"/>
           </a:p>
           <a:p>
             <a:pPr marL="457200" lvl="0" indent="0" algn="l" rtl="0">
@@ -10329,7 +10188,7 @@
               </a:spcAft>
               <a:buNone/>
             </a:pPr>
-            <a:endParaRPr sz="1900"/>
+            <a:endParaRPr sz="1900" dirty="0"/>
           </a:p>
           <a:p>
             <a:pPr marL="457200" lvl="0" indent="0" algn="l" rtl="0">
@@ -10341,7 +10200,7 @@
               </a:spcAft>
               <a:buNone/>
             </a:pPr>
-            <a:endParaRPr sz="1900"/>
+            <a:endParaRPr sz="1900" dirty="0"/>
           </a:p>
           <a:p>
             <a:pPr marL="0" lvl="0" indent="0" algn="l" rtl="0">
@@ -10353,7 +10212,7 @@
               </a:spcAft>
               <a:buNone/>
             </a:pPr>
-            <a:endParaRPr/>
+            <a:endParaRPr dirty="0"/>
           </a:p>
         </p:txBody>
       </p:sp>
@@ -10459,10 +10318,10 @@
               <a:buNone/>
             </a:pPr>
             <a:r>
-              <a:rPr lang="en"/>
+              <a:rPr lang="en" dirty="0"/>
               <a:t>US Health Insurance Dataset</a:t>
             </a:r>
-            <a:endParaRPr/>
+            <a:endParaRPr dirty="0"/>
           </a:p>
           <a:p>
             <a:pPr marL="0" lvl="0" indent="0" algn="l" rtl="0">
@@ -10474,7 +10333,7 @@
               </a:spcAft>
               <a:buNone/>
             </a:pPr>
-            <a:endParaRPr/>
+            <a:endParaRPr dirty="0"/>
           </a:p>
           <a:p>
             <a:pPr marL="0" lvl="0" indent="0" algn="l" rtl="0">
@@ -10487,7 +10346,7 @@
               <a:buNone/>
             </a:pPr>
             <a:r>
-              <a:rPr lang="en" sz="1100" u="sng">
+              <a:rPr lang="en" sz="1100" u="sng" dirty="0">
                 <a:solidFill>
                   <a:schemeClr val="hlink"/>
                 </a:solidFill>
@@ -10499,7 +10358,7 @@
               </a:rPr>
               <a:t>https://www.kaggle.com/datasets/teertha/ushealthinsurancedataset</a:t>
             </a:r>
-            <a:endParaRPr sz="1100" u="sng">
+            <a:endParaRPr sz="1100" u="sng" dirty="0">
               <a:solidFill>
                 <a:schemeClr val="hlink"/>
               </a:solidFill>
@@ -10519,7 +10378,7 @@
               </a:spcAft>
               <a:buNone/>
             </a:pPr>
-            <a:endParaRPr/>
+            <a:endParaRPr dirty="0"/>
           </a:p>
           <a:p>
             <a:pPr marL="0" lvl="0" indent="0" algn="l" rtl="0">
@@ -10532,10 +10391,10 @@
               <a:buNone/>
             </a:pPr>
             <a:r>
-              <a:rPr lang="en"/>
+              <a:rPr lang="en" dirty="0"/>
               <a:t>The dataset to be used contains over 1300 rows of insured data, where the Insurance charges are given against the following attributes of the insured: Age, Sex, BMI, Number of Children, Smoker and Region.</a:t>
             </a:r>
-            <a:endParaRPr/>
+            <a:endParaRPr dirty="0"/>
           </a:p>
           <a:p>
             <a:pPr marL="0" lvl="0" indent="0" algn="l" rtl="0">
@@ -10547,7 +10406,7 @@
               </a:spcAft>
               <a:buNone/>
             </a:pPr>
-            <a:endParaRPr/>
+            <a:endParaRPr dirty="0"/>
           </a:p>
         </p:txBody>
       </p:sp>
@@ -10618,44 +10477,6 @@
           </a:p>
         </p:txBody>
       </p:sp>
-      <p:sp>
-        <p:nvSpPr>
-          <p:cNvPr id="89" name="Google Shape;89;p17"/>
-          <p:cNvSpPr txBox="1">
-            <a:spLocks noGrp="1"/>
-          </p:cNvSpPr>
-          <p:nvPr>
-            <p:ph type="body" idx="1"/>
-          </p:nvPr>
-        </p:nvSpPr>
-        <p:spPr>
-          <a:xfrm>
-            <a:off x="4644675" y="500925"/>
-            <a:ext cx="4166400" cy="4098600"/>
-          </a:xfrm>
-          <a:prstGeom prst="rect">
-            <a:avLst/>
-          </a:prstGeom>
-        </p:spPr>
-        <p:txBody>
-          <a:bodyPr spcFirstLastPara="1" wrap="square" lIns="91425" tIns="91425" rIns="91425" bIns="91425" anchor="t" anchorCtr="0">
-            <a:normAutofit/>
-          </a:bodyPr>
-          <a:lstStyle/>
-          <a:p>
-            <a:pPr marL="0" lvl="0" indent="0" algn="l" rtl="0">
-              <a:spcBef>
-                <a:spcPts val="0"/>
-              </a:spcBef>
-              <a:spcAft>
-                <a:spcPts val="1200"/>
-              </a:spcAft>
-              <a:buNone/>
-            </a:pPr>
-            <a:endParaRPr/>
-          </a:p>
-        </p:txBody>
-      </p:sp>
       <p:pic>
         <p:nvPicPr>
           <p:cNvPr id="90" name="Google Shape;90;p17"/>
@@ -10672,8 +10493,8 @@
         </p:blipFill>
         <p:spPr>
           <a:xfrm>
-            <a:off x="4369901" y="500925"/>
-            <a:ext cx="5162576" cy="1619850"/>
+            <a:off x="4253948" y="612250"/>
+            <a:ext cx="5407954" cy="1672980"/>
           </a:xfrm>
           <a:prstGeom prst="rect">
             <a:avLst/>
@@ -10700,8 +10521,8 @@
         </p:blipFill>
         <p:spPr>
           <a:xfrm>
-            <a:off x="209000" y="2473100"/>
-            <a:ext cx="5709175" cy="2174925"/>
+            <a:off x="1844703" y="2571750"/>
+            <a:ext cx="5877207" cy="2314295"/>
           </a:xfrm>
           <a:prstGeom prst="rect">
             <a:avLst/>
@@ -10915,7 +10736,7 @@
         <p:spPr>
           <a:xfrm>
             <a:off x="311725" y="500925"/>
-            <a:ext cx="3706500" cy="2508900"/>
+            <a:ext cx="3706500" cy="771284"/>
           </a:xfrm>
           <a:prstGeom prst="rect">
             <a:avLst/>
@@ -10937,48 +10758,10 @@
               <a:buNone/>
             </a:pPr>
             <a:r>
-              <a:rPr lang="en"/>
+              <a:rPr lang="en" dirty="0"/>
               <a:t>Initial Model </a:t>
             </a:r>
-            <a:endParaRPr/>
-          </a:p>
-        </p:txBody>
-      </p:sp>
-      <p:sp>
-        <p:nvSpPr>
-          <p:cNvPr id="105" name="Google Shape;105;p19"/>
-          <p:cNvSpPr txBox="1">
-            <a:spLocks noGrp="1"/>
-          </p:cNvSpPr>
-          <p:nvPr>
-            <p:ph type="body" idx="1"/>
-          </p:nvPr>
-        </p:nvSpPr>
-        <p:spPr>
-          <a:xfrm>
-            <a:off x="4644675" y="500925"/>
-            <a:ext cx="4166400" cy="4098600"/>
-          </a:xfrm>
-          <a:prstGeom prst="rect">
-            <a:avLst/>
-          </a:prstGeom>
-        </p:spPr>
-        <p:txBody>
-          <a:bodyPr spcFirstLastPara="1" wrap="square" lIns="91425" tIns="91425" rIns="91425" bIns="91425" anchor="t" anchorCtr="0">
-            <a:normAutofit/>
-          </a:bodyPr>
-          <a:lstStyle/>
-          <a:p>
-            <a:pPr marL="0" lvl="0" indent="0" algn="l" rtl="0">
-              <a:spcBef>
-                <a:spcPts val="0"/>
-              </a:spcBef>
-              <a:spcAft>
-                <a:spcPts val="1200"/>
-              </a:spcAft>
-              <a:buNone/>
-            </a:pPr>
-            <a:endParaRPr/>
+            <a:endParaRPr dirty="0"/>
           </a:p>
         </p:txBody>
       </p:sp>
@@ -10998,8 +10781,8 @@
         </p:blipFill>
         <p:spPr>
           <a:xfrm>
-            <a:off x="978200" y="1101700"/>
-            <a:ext cx="7476325" cy="3670950"/>
+            <a:off x="878666" y="1335819"/>
+            <a:ext cx="7850242" cy="3615345"/>
           </a:xfrm>
           <a:prstGeom prst="rect">
             <a:avLst/>
@@ -11077,44 +10860,6 @@
           </a:p>
         </p:txBody>
       </p:sp>
-      <p:sp>
-        <p:nvSpPr>
-          <p:cNvPr id="112" name="Google Shape;112;p20"/>
-          <p:cNvSpPr txBox="1">
-            <a:spLocks noGrp="1"/>
-          </p:cNvSpPr>
-          <p:nvPr>
-            <p:ph type="body" idx="1"/>
-          </p:nvPr>
-        </p:nvSpPr>
-        <p:spPr>
-          <a:xfrm>
-            <a:off x="4644675" y="500925"/>
-            <a:ext cx="4166400" cy="4098600"/>
-          </a:xfrm>
-          <a:prstGeom prst="rect">
-            <a:avLst/>
-          </a:prstGeom>
-        </p:spPr>
-        <p:txBody>
-          <a:bodyPr spcFirstLastPara="1" wrap="square" lIns="91425" tIns="91425" rIns="91425" bIns="91425" anchor="t" anchorCtr="0">
-            <a:normAutofit/>
-          </a:bodyPr>
-          <a:lstStyle/>
-          <a:p>
-            <a:pPr marL="0" lvl="0" indent="0" algn="l" rtl="0">
-              <a:spcBef>
-                <a:spcPts val="0"/>
-              </a:spcBef>
-              <a:spcAft>
-                <a:spcPts val="1200"/>
-              </a:spcAft>
-              <a:buNone/>
-            </a:pPr>
-            <a:endParaRPr/>
-          </a:p>
-        </p:txBody>
-      </p:sp>
       <p:pic>
         <p:nvPicPr>
           <p:cNvPr id="113" name="Google Shape;113;p20"/>
@@ -11131,7 +10876,7 @@
         </p:blipFill>
         <p:spPr>
           <a:xfrm>
-            <a:off x="311725" y="1078100"/>
+            <a:off x="391238" y="1532225"/>
             <a:ext cx="6461799" cy="3067300"/>
           </a:xfrm>
           <a:prstGeom prst="rect">
@@ -11159,7 +10904,7 @@
         </p:blipFill>
         <p:spPr>
           <a:xfrm>
-            <a:off x="4935525" y="417100"/>
+            <a:off x="4808303" y="663591"/>
             <a:ext cx="3657600" cy="1238250"/>
           </a:xfrm>
           <a:prstGeom prst="rect">
@@ -11309,8 +11054,8 @@
         </p:blipFill>
         <p:spPr>
           <a:xfrm>
-            <a:off x="3676375" y="2093700"/>
-            <a:ext cx="4998951" cy="2727150"/>
+            <a:off x="2981740" y="2218413"/>
+            <a:ext cx="5129044" cy="2697852"/>
           </a:xfrm>
           <a:prstGeom prst="rect">
             <a:avLst/>
